--- a/docs/readme/images/Strategies.pptx
+++ b/docs/readme/images/Strategies.pptx
@@ -105,6 +105,11 @@
       </a:defRPr>
     </a:lvl9pPr>
   </p:defaultTextStyle>
+  <p:extLst>
+    <p:ext uri="{EFAFB233-063F-42B5-8137-9DF3F51BA10A}">
+      <p15:sldGuideLst xmlns:p15="http://schemas.microsoft.com/office/powerpoint/2012/main"/>
+    </p:ext>
+  </p:extLst>
 </p:presentation>
 </file>
 
@@ -3324,39 +3329,10 @@
       </p:grpSpPr>
       <p:sp>
         <p:nvSpPr>
-          <p:cNvPr id="4" name="標題 3">
-            <a:extLst>
-              <a:ext uri="{FF2B5EF4-FFF2-40B4-BE49-F238E27FC236}">
-                <a16:creationId xmlns:a16="http://schemas.microsoft.com/office/drawing/2014/main" id="{4C1354EA-6FE8-4B30-B3FD-AD9AB88AE6E9}"/>
-              </a:ext>
-            </a:extLst>
-          </p:cNvPr>
-          <p:cNvSpPr>
-            <a:spLocks noGrp="1"/>
-          </p:cNvSpPr>
-          <p:nvPr>
-            <p:ph type="title"/>
-          </p:nvPr>
-        </p:nvSpPr>
-        <p:spPr/>
-        <p:txBody>
-          <a:bodyPr/>
-          <a:lstStyle/>
-          <a:p>
-            <a:r>
-              <a:rPr lang="en-US" altLang="zh-TW" dirty="0"/>
-              <a:t>Strategy 1</a:t>
-            </a:r>
-            <a:endParaRPr lang="zh-TW" altLang="en-US" dirty="0"/>
-          </a:p>
-        </p:txBody>
-      </p:sp>
-      <p:sp>
-        <p:nvSpPr>
-          <p:cNvPr id="5" name="矩形 4">
-            <a:extLst>
-              <a:ext uri="{FF2B5EF4-FFF2-40B4-BE49-F238E27FC236}">
-                <a16:creationId xmlns:a16="http://schemas.microsoft.com/office/drawing/2014/main" id="{BF27F89C-8EC8-49BA-BE37-5FA4D431C67A}"/>
+          <p:cNvPr id="2" name="矩形 1">
+            <a:extLst>
+              <a:ext uri="{FF2B5EF4-FFF2-40B4-BE49-F238E27FC236}">
+                <a16:creationId xmlns:a16="http://schemas.microsoft.com/office/drawing/2014/main" id="{5225DE3D-A869-4834-9D3B-568560B83B51}"/>
               </a:ext>
             </a:extLst>
           </p:cNvPr>
@@ -3365,12 +3341,15 @@
         </p:nvSpPr>
         <p:spPr>
           <a:xfrm>
-            <a:off x="2350786" y="2727661"/>
-            <a:ext cx="1594800" cy="1595718"/>
+            <a:off x="0" y="0"/>
+            <a:ext cx="12192000" cy="6858000"/>
           </a:xfrm>
           <a:prstGeom prst="rect">
             <a:avLst/>
           </a:prstGeom>
+          <a:solidFill>
+            <a:schemeClr val="bg1"/>
+          </a:solidFill>
         </p:spPr>
         <p:style>
           <a:lnRef idx="2">
@@ -3399,6 +3378,81 @@
       </p:sp>
       <p:sp>
         <p:nvSpPr>
+          <p:cNvPr id="4" name="標題 3">
+            <a:extLst>
+              <a:ext uri="{FF2B5EF4-FFF2-40B4-BE49-F238E27FC236}">
+                <a16:creationId xmlns:a16="http://schemas.microsoft.com/office/drawing/2014/main" id="{4C1354EA-6FE8-4B30-B3FD-AD9AB88AE6E9}"/>
+              </a:ext>
+            </a:extLst>
+          </p:cNvPr>
+          <p:cNvSpPr>
+            <a:spLocks noGrp="1"/>
+          </p:cNvSpPr>
+          <p:nvPr>
+            <p:ph type="title"/>
+          </p:nvPr>
+        </p:nvSpPr>
+        <p:spPr/>
+        <p:txBody>
+          <a:bodyPr/>
+          <a:lstStyle/>
+          <a:p>
+            <a:r>
+              <a:rPr lang="en-US" altLang="zh-TW" dirty="0"/>
+              <a:t>Strategy 1</a:t>
+            </a:r>
+            <a:endParaRPr lang="zh-TW" altLang="en-US" dirty="0"/>
+          </a:p>
+        </p:txBody>
+      </p:sp>
+      <p:sp>
+        <p:nvSpPr>
+          <p:cNvPr id="5" name="矩形 4">
+            <a:extLst>
+              <a:ext uri="{FF2B5EF4-FFF2-40B4-BE49-F238E27FC236}">
+                <a16:creationId xmlns:a16="http://schemas.microsoft.com/office/drawing/2014/main" id="{BF27F89C-8EC8-49BA-BE37-5FA4D431C67A}"/>
+              </a:ext>
+            </a:extLst>
+          </p:cNvPr>
+          <p:cNvSpPr/>
+          <p:nvPr/>
+        </p:nvSpPr>
+        <p:spPr>
+          <a:xfrm>
+            <a:off x="2350786" y="2727661"/>
+            <a:ext cx="1594800" cy="1595718"/>
+          </a:xfrm>
+          <a:prstGeom prst="rect">
+            <a:avLst/>
+          </a:prstGeom>
+        </p:spPr>
+        <p:style>
+          <a:lnRef idx="2">
+            <a:schemeClr val="accent1">
+              <a:shade val="50000"/>
+            </a:schemeClr>
+          </a:lnRef>
+          <a:fillRef idx="1">
+            <a:schemeClr val="accent1"/>
+          </a:fillRef>
+          <a:effectRef idx="0">
+            <a:schemeClr val="accent1"/>
+          </a:effectRef>
+          <a:fontRef idx="minor">
+            <a:schemeClr val="lt1"/>
+          </a:fontRef>
+        </p:style>
+        <p:txBody>
+          <a:bodyPr rtlCol="0" anchor="ctr"/>
+          <a:lstStyle/>
+          <a:p>
+            <a:pPr algn="ctr"/>
+            <a:endParaRPr lang="zh-TW" altLang="en-US"/>
+          </a:p>
+        </p:txBody>
+      </p:sp>
+      <p:sp>
+        <p:nvSpPr>
           <p:cNvPr id="6" name="矩形 5">
             <a:extLst>
               <a:ext uri="{FF2B5EF4-FFF2-40B4-BE49-F238E27FC236}">
@@ -3555,7 +3609,11 @@
           <a:prstGeom prst="leftBrace">
             <a:avLst/>
           </a:prstGeom>
-          <a:ln w="19050"/>
+          <a:ln w="19050">
+            <a:solidFill>
+              <a:schemeClr val="tx1"/>
+            </a:solidFill>
+          </a:ln>
         </p:spPr>
         <p:style>
           <a:lnRef idx="1">
@@ -3576,7 +3634,11 @@
           <a:lstStyle/>
           <a:p>
             <a:pPr algn="ctr"/>
-            <a:endParaRPr lang="zh-TW" altLang="en-US"/>
+            <a:endParaRPr lang="zh-TW" altLang="en-US">
+              <a:solidFill>
+                <a:schemeClr val="accent2"/>
+              </a:solidFill>
+            </a:endParaRPr>
           </a:p>
         </p:txBody>
       </p:sp>
@@ -3600,7 +3662,11 @@
           <a:prstGeom prst="leftBrace">
             <a:avLst/>
           </a:prstGeom>
-          <a:ln w="19050"/>
+          <a:ln w="19050">
+            <a:solidFill>
+              <a:schemeClr val="tx1"/>
+            </a:solidFill>
+          </a:ln>
         </p:spPr>
         <p:style>
           <a:lnRef idx="1">
@@ -3621,7 +3687,11 @@
           <a:lstStyle/>
           <a:p>
             <a:pPr algn="ctr"/>
-            <a:endParaRPr lang="zh-TW" altLang="en-US"/>
+            <a:endParaRPr lang="zh-TW" altLang="en-US">
+              <a:solidFill>
+                <a:schemeClr val="accent2"/>
+              </a:solidFill>
+            </a:endParaRPr>
           </a:p>
         </p:txBody>
       </p:sp>
@@ -3646,6 +3716,9 @@
             <a:avLst/>
           </a:prstGeom>
           <a:noFill/>
+          <a:ln>
+            <a:noFill/>
+          </a:ln>
         </p:spPr>
         <p:txBody>
           <a:bodyPr wrap="none" rtlCol="0">
@@ -3654,10 +3727,18 @@
           <a:lstStyle/>
           <a:p>
             <a:r>
-              <a:rPr lang="en-US" altLang="zh-TW" dirty="0"/>
+              <a:rPr lang="en-US" altLang="zh-TW" dirty="0">
+                <a:solidFill>
+                  <a:sysClr val="windowText" lastClr="000000"/>
+                </a:solidFill>
+              </a:rPr>
               <a:t>224</a:t>
             </a:r>
-            <a:endParaRPr lang="zh-TW" altLang="en-US" dirty="0"/>
+            <a:endParaRPr lang="zh-TW" altLang="en-US" dirty="0">
+              <a:solidFill>
+                <a:sysClr val="windowText" lastClr="000000"/>
+              </a:solidFill>
+            </a:endParaRPr>
           </a:p>
         </p:txBody>
       </p:sp>
@@ -3682,6 +3763,9 @@
             <a:avLst/>
           </a:prstGeom>
           <a:noFill/>
+          <a:ln>
+            <a:noFill/>
+          </a:ln>
         </p:spPr>
         <p:txBody>
           <a:bodyPr wrap="none" rtlCol="0">
@@ -3690,10 +3774,18 @@
           <a:lstStyle/>
           <a:p>
             <a:r>
-              <a:rPr lang="en-US" altLang="zh-TW" dirty="0"/>
+              <a:rPr lang="en-US" altLang="zh-TW" dirty="0">
+                <a:solidFill>
+                  <a:sysClr val="windowText" lastClr="000000"/>
+                </a:solidFill>
+              </a:rPr>
               <a:t>224</a:t>
             </a:r>
-            <a:endParaRPr lang="zh-TW" altLang="en-US" dirty="0"/>
+            <a:endParaRPr lang="zh-TW" altLang="en-US" dirty="0">
+              <a:solidFill>
+                <a:sysClr val="windowText" lastClr="000000"/>
+              </a:solidFill>
+            </a:endParaRPr>
           </a:p>
         </p:txBody>
       </p:sp>
@@ -3717,7 +3809,11 @@
           <a:prstGeom prst="leftBrace">
             <a:avLst/>
           </a:prstGeom>
-          <a:ln w="19050"/>
+          <a:ln w="19050">
+            <a:solidFill>
+              <a:schemeClr val="tx1"/>
+            </a:solidFill>
+          </a:ln>
         </p:spPr>
         <p:style>
           <a:lnRef idx="1">
@@ -3738,7 +3834,11 @@
           <a:lstStyle/>
           <a:p>
             <a:pPr algn="ctr"/>
-            <a:endParaRPr lang="zh-TW" altLang="en-US"/>
+            <a:endParaRPr lang="zh-TW" altLang="en-US">
+              <a:solidFill>
+                <a:schemeClr val="accent2"/>
+              </a:solidFill>
+            </a:endParaRPr>
           </a:p>
         </p:txBody>
       </p:sp>
@@ -3763,6 +3863,9 @@
             <a:avLst/>
           </a:prstGeom>
           <a:noFill/>
+          <a:ln>
+            <a:noFill/>
+          </a:ln>
         </p:spPr>
         <p:txBody>
           <a:bodyPr wrap="none" rtlCol="0">
@@ -3771,10 +3874,18 @@
           <a:lstStyle/>
           <a:p>
             <a:r>
-              <a:rPr lang="en-US" altLang="zh-TW" dirty="0"/>
+              <a:rPr lang="en-US" altLang="zh-TW" dirty="0">
+                <a:solidFill>
+                  <a:sysClr val="windowText" lastClr="000000"/>
+                </a:solidFill>
+              </a:rPr>
               <a:t>images</a:t>
             </a:r>
-            <a:endParaRPr lang="zh-TW" altLang="en-US" dirty="0"/>
+            <a:endParaRPr lang="zh-TW" altLang="en-US" dirty="0">
+              <a:solidFill>
+                <a:sysClr val="windowText" lastClr="000000"/>
+              </a:solidFill>
+            </a:endParaRPr>
           </a:p>
         </p:txBody>
       </p:sp>
@@ -3896,7 +4007,11 @@
           <a:prstGeom prst="leftBrace">
             <a:avLst/>
           </a:prstGeom>
-          <a:ln w="19050"/>
+          <a:ln w="19050">
+            <a:solidFill>
+              <a:schemeClr val="tx1"/>
+            </a:solidFill>
+          </a:ln>
         </p:spPr>
         <p:style>
           <a:lnRef idx="1">
@@ -3917,7 +4032,11 @@
           <a:lstStyle/>
           <a:p>
             <a:pPr algn="ctr"/>
-            <a:endParaRPr lang="zh-TW" altLang="en-US"/>
+            <a:endParaRPr lang="zh-TW" altLang="en-US">
+              <a:solidFill>
+                <a:schemeClr val="accent2"/>
+              </a:solidFill>
+            </a:endParaRPr>
           </a:p>
         </p:txBody>
       </p:sp>
@@ -3942,6 +4061,9 @@
             <a:avLst/>
           </a:prstGeom>
           <a:noFill/>
+          <a:ln>
+            <a:noFill/>
+          </a:ln>
         </p:spPr>
         <p:txBody>
           <a:bodyPr wrap="none" rtlCol="0">
@@ -3951,10 +4073,18 @@
           <a:p>
             <a:pPr algn="ctr"/>
             <a:r>
-              <a:rPr lang="en-US" altLang="zh-TW" dirty="0"/>
+              <a:rPr lang="en-US" altLang="zh-TW" dirty="0">
+                <a:solidFill>
+                  <a:sysClr val="windowText" lastClr="000000"/>
+                </a:solidFill>
+              </a:rPr>
               <a:t>22</a:t>
             </a:r>
-            <a:endParaRPr lang="zh-TW" altLang="en-US" dirty="0"/>
+            <a:endParaRPr lang="zh-TW" altLang="en-US" dirty="0">
+              <a:solidFill>
+                <a:sysClr val="windowText" lastClr="000000"/>
+              </a:solidFill>
+            </a:endParaRPr>
           </a:p>
         </p:txBody>
       </p:sp>
@@ -3980,6 +4110,11 @@
           <a:prstGeom prst="line">
             <a:avLst/>
           </a:prstGeom>
+          <a:ln>
+            <a:solidFill>
+              <a:schemeClr val="tx1"/>
+            </a:solidFill>
+          </a:ln>
         </p:spPr>
         <p:style>
           <a:lnRef idx="1">
@@ -4018,6 +4153,11 @@
           <a:prstGeom prst="line">
             <a:avLst/>
           </a:prstGeom>
+          <a:ln>
+            <a:solidFill>
+              <a:schemeClr val="tx1"/>
+            </a:solidFill>
+          </a:ln>
         </p:spPr>
         <p:style>
           <a:lnRef idx="1">
@@ -4084,7 +4224,11 @@
           <a:lstStyle/>
           <a:p>
             <a:pPr algn="ctr"/>
-            <a:endParaRPr lang="zh-TW" altLang="en-US"/>
+            <a:endParaRPr lang="zh-TW" altLang="en-US">
+              <a:solidFill>
+                <a:schemeClr val="accent2"/>
+              </a:solidFill>
+            </a:endParaRPr>
           </a:p>
         </p:txBody>
       </p:sp>
@@ -4311,6 +4455,9 @@
             <a:avLst/>
           </a:prstGeom>
           <a:noFill/>
+          <a:ln>
+            <a:noFill/>
+          </a:ln>
         </p:spPr>
         <p:txBody>
           <a:bodyPr wrap="none" rtlCol="0">
@@ -4319,10 +4466,18 @@
           <a:lstStyle/>
           <a:p>
             <a:r>
-              <a:rPr lang="en-US" altLang="zh-TW" dirty="0" err="1"/>
+              <a:rPr lang="en-US" altLang="zh-TW" dirty="0" err="1">
+                <a:solidFill>
+                  <a:sysClr val="windowText" lastClr="000000"/>
+                </a:solidFill>
+              </a:rPr>
               <a:t>Sigmiod</a:t>
             </a:r>
-            <a:endParaRPr lang="zh-TW" altLang="en-US" dirty="0"/>
+            <a:endParaRPr lang="zh-TW" altLang="en-US" dirty="0">
+              <a:solidFill>
+                <a:sysClr val="windowText" lastClr="000000"/>
+              </a:solidFill>
+            </a:endParaRPr>
           </a:p>
         </p:txBody>
       </p:sp>
@@ -4358,39 +4513,10 @@
       </p:grpSpPr>
       <p:sp>
         <p:nvSpPr>
-          <p:cNvPr id="4" name="標題 3">
-            <a:extLst>
-              <a:ext uri="{FF2B5EF4-FFF2-40B4-BE49-F238E27FC236}">
-                <a16:creationId xmlns:a16="http://schemas.microsoft.com/office/drawing/2014/main" id="{4C1354EA-6FE8-4B30-B3FD-AD9AB88AE6E9}"/>
-              </a:ext>
-            </a:extLst>
-          </p:cNvPr>
-          <p:cNvSpPr>
-            <a:spLocks noGrp="1"/>
-          </p:cNvSpPr>
-          <p:nvPr>
-            <p:ph type="title"/>
-          </p:nvPr>
-        </p:nvSpPr>
-        <p:spPr/>
-        <p:txBody>
-          <a:bodyPr/>
-          <a:lstStyle/>
-          <a:p>
-            <a:r>
-              <a:rPr lang="en-US" altLang="zh-TW" dirty="0"/>
-              <a:t>Strategy 2</a:t>
-            </a:r>
-            <a:endParaRPr lang="zh-TW" altLang="en-US" dirty="0"/>
-          </a:p>
-        </p:txBody>
-      </p:sp>
-      <p:sp>
-        <p:nvSpPr>
-          <p:cNvPr id="5" name="矩形 4">
-            <a:extLst>
-              <a:ext uri="{FF2B5EF4-FFF2-40B4-BE49-F238E27FC236}">
-                <a16:creationId xmlns:a16="http://schemas.microsoft.com/office/drawing/2014/main" id="{BF27F89C-8EC8-49BA-BE37-5FA4D431C67A}"/>
+          <p:cNvPr id="48" name="矩形 47">
+            <a:extLst>
+              <a:ext uri="{FF2B5EF4-FFF2-40B4-BE49-F238E27FC236}">
+                <a16:creationId xmlns:a16="http://schemas.microsoft.com/office/drawing/2014/main" id="{A4D686AD-94C7-4E8B-B2FB-DA3151640DCC}"/>
               </a:ext>
             </a:extLst>
           </p:cNvPr>
@@ -4399,12 +4525,15 @@
         </p:nvSpPr>
         <p:spPr>
           <a:xfrm>
-            <a:off x="2350786" y="2727661"/>
-            <a:ext cx="1594800" cy="1595718"/>
+            <a:off x="0" y="0"/>
+            <a:ext cx="12192000" cy="6858000"/>
           </a:xfrm>
           <a:prstGeom prst="rect">
             <a:avLst/>
           </a:prstGeom>
+          <a:solidFill>
+            <a:schemeClr val="bg1"/>
+          </a:solidFill>
         </p:spPr>
         <p:style>
           <a:lnRef idx="2">
@@ -4427,16 +4556,45 @@
           <a:lstStyle/>
           <a:p>
             <a:pPr algn="ctr"/>
-            <a:endParaRPr lang="zh-TW" altLang="en-US"/>
-          </a:p>
-        </p:txBody>
-      </p:sp>
-      <p:sp>
-        <p:nvSpPr>
-          <p:cNvPr id="6" name="矩形 5">
-            <a:extLst>
-              <a:ext uri="{FF2B5EF4-FFF2-40B4-BE49-F238E27FC236}">
-                <a16:creationId xmlns:a16="http://schemas.microsoft.com/office/drawing/2014/main" id="{6554A7C5-6C8F-437D-9D94-56AA7F5875DB}"/>
+            <a:endParaRPr lang="zh-TW" altLang="en-US" dirty="0"/>
+          </a:p>
+        </p:txBody>
+      </p:sp>
+      <p:sp>
+        <p:nvSpPr>
+          <p:cNvPr id="4" name="標題 3">
+            <a:extLst>
+              <a:ext uri="{FF2B5EF4-FFF2-40B4-BE49-F238E27FC236}">
+                <a16:creationId xmlns:a16="http://schemas.microsoft.com/office/drawing/2014/main" id="{4C1354EA-6FE8-4B30-B3FD-AD9AB88AE6E9}"/>
+              </a:ext>
+            </a:extLst>
+          </p:cNvPr>
+          <p:cNvSpPr>
+            <a:spLocks noGrp="1"/>
+          </p:cNvSpPr>
+          <p:nvPr>
+            <p:ph type="title"/>
+          </p:nvPr>
+        </p:nvSpPr>
+        <p:spPr/>
+        <p:txBody>
+          <a:bodyPr/>
+          <a:lstStyle/>
+          <a:p>
+            <a:r>
+              <a:rPr lang="en-US" altLang="zh-TW" dirty="0"/>
+              <a:t>Strategy 2</a:t>
+            </a:r>
+            <a:endParaRPr lang="zh-TW" altLang="en-US" dirty="0"/>
+          </a:p>
+        </p:txBody>
+      </p:sp>
+      <p:sp>
+        <p:nvSpPr>
+          <p:cNvPr id="5" name="矩形 4">
+            <a:extLst>
+              <a:ext uri="{FF2B5EF4-FFF2-40B4-BE49-F238E27FC236}">
+                <a16:creationId xmlns:a16="http://schemas.microsoft.com/office/drawing/2014/main" id="{BF27F89C-8EC8-49BA-BE37-5FA4D431C67A}"/>
               </a:ext>
             </a:extLst>
           </p:cNvPr>
@@ -4445,7 +4603,53 @@
         </p:nvSpPr>
         <p:spPr>
           <a:xfrm>
-            <a:off x="2503186" y="2880061"/>
+            <a:off x="1980925" y="2938954"/>
+            <a:ext cx="1594800" cy="1595718"/>
+          </a:xfrm>
+          <a:prstGeom prst="rect">
+            <a:avLst/>
+          </a:prstGeom>
+        </p:spPr>
+        <p:style>
+          <a:lnRef idx="2">
+            <a:schemeClr val="accent1">
+              <a:shade val="50000"/>
+            </a:schemeClr>
+          </a:lnRef>
+          <a:fillRef idx="1">
+            <a:schemeClr val="accent1"/>
+          </a:fillRef>
+          <a:effectRef idx="0">
+            <a:schemeClr val="accent1"/>
+          </a:effectRef>
+          <a:fontRef idx="minor">
+            <a:schemeClr val="lt1"/>
+          </a:fontRef>
+        </p:style>
+        <p:txBody>
+          <a:bodyPr rtlCol="0" anchor="ctr"/>
+          <a:lstStyle/>
+          <a:p>
+            <a:pPr algn="ctr"/>
+            <a:endParaRPr lang="zh-TW" altLang="en-US"/>
+          </a:p>
+        </p:txBody>
+      </p:sp>
+      <p:sp>
+        <p:nvSpPr>
+          <p:cNvPr id="6" name="矩形 5">
+            <a:extLst>
+              <a:ext uri="{FF2B5EF4-FFF2-40B4-BE49-F238E27FC236}">
+                <a16:creationId xmlns:a16="http://schemas.microsoft.com/office/drawing/2014/main" id="{6554A7C5-6C8F-437D-9D94-56AA7F5875DB}"/>
+              </a:ext>
+            </a:extLst>
+          </p:cNvPr>
+          <p:cNvSpPr/>
+          <p:nvPr/>
+        </p:nvSpPr>
+        <p:spPr>
+          <a:xfrm>
+            <a:off x="2133325" y="3091354"/>
             <a:ext cx="1594800" cy="1595718"/>
           </a:xfrm>
           <a:prstGeom prst="rect">
@@ -4491,7 +4695,7 @@
         </p:nvSpPr>
         <p:spPr>
           <a:xfrm>
-            <a:off x="2655586" y="3032461"/>
+            <a:off x="2285725" y="3243754"/>
             <a:ext cx="1594800" cy="1595718"/>
           </a:xfrm>
           <a:prstGeom prst="rect">
@@ -4537,7 +4741,7 @@
         </p:nvSpPr>
         <p:spPr>
           <a:xfrm>
-            <a:off x="2807986" y="3184861"/>
+            <a:off x="2438125" y="3396154"/>
             <a:ext cx="1594800" cy="1595718"/>
           </a:xfrm>
           <a:prstGeom prst="rect">
@@ -4583,7 +4787,7 @@
         </p:nvSpPr>
         <p:spPr>
           <a:xfrm rot="5400000">
-            <a:off x="3068938" y="1851013"/>
+            <a:off x="2699077" y="2062306"/>
             <a:ext cx="155448" cy="1594800"/>
           </a:xfrm>
           <a:prstGeom prst="leftBrace">
@@ -4628,7 +4832,7 @@
         </p:nvSpPr>
         <p:spPr>
           <a:xfrm>
-            <a:off x="2193814" y="2726137"/>
+            <a:off x="1823953" y="2937430"/>
             <a:ext cx="155448" cy="1594800"/>
           </a:xfrm>
           <a:prstGeom prst="leftBrace">
@@ -4673,7 +4877,7 @@
         </p:nvSpPr>
         <p:spPr>
           <a:xfrm>
-            <a:off x="2878800" y="2197356"/>
+            <a:off x="2508939" y="2408649"/>
             <a:ext cx="535724" cy="369332"/>
           </a:xfrm>
           <a:prstGeom prst="rect">
@@ -4709,7 +4913,7 @@
         </p:nvSpPr>
         <p:spPr>
           <a:xfrm rot="16200000">
-            <a:off x="1740524" y="3338871"/>
+            <a:off x="1370663" y="3550164"/>
             <a:ext cx="535724" cy="369332"/>
           </a:xfrm>
           <a:prstGeom prst="rect">
@@ -4745,7 +4949,7 @@
         </p:nvSpPr>
         <p:spPr>
           <a:xfrm rot="8132478">
-            <a:off x="4149693" y="2581467"/>
+            <a:off x="3779832" y="2792760"/>
             <a:ext cx="155448" cy="650718"/>
           </a:xfrm>
           <a:prstGeom prst="leftBrace">
@@ -4790,7 +4994,7 @@
         </p:nvSpPr>
         <p:spPr>
           <a:xfrm rot="2615166">
-            <a:off x="3980394" y="2516752"/>
+            <a:off x="3610533" y="2728045"/>
             <a:ext cx="844783" cy="369332"/>
           </a:xfrm>
           <a:prstGeom prst="rect">
@@ -4826,7 +5030,7 @@
         </p:nvSpPr>
         <p:spPr>
           <a:xfrm rot="5400000">
-            <a:off x="5036231" y="2778342"/>
+            <a:off x="4655521" y="1901733"/>
             <a:ext cx="2494206" cy="1707715"/>
           </a:xfrm>
           <a:prstGeom prst="trapezoid">
@@ -4878,7 +5082,7 @@
         </p:nvSpPr>
         <p:spPr>
           <a:xfrm>
-            <a:off x="8089692" y="3302000"/>
+            <a:off x="7702777" y="2424120"/>
             <a:ext cx="141178" cy="662941"/>
           </a:xfrm>
           <a:prstGeom prst="rect">
@@ -4924,7 +5128,7 @@
         </p:nvSpPr>
         <p:spPr>
           <a:xfrm rot="10800000">
-            <a:off x="8230870" y="3301999"/>
+            <a:off x="7843955" y="2424119"/>
             <a:ext cx="155448" cy="662942"/>
           </a:xfrm>
           <a:prstGeom prst="leftBrace">
@@ -4969,7 +5173,7 @@
         </p:nvSpPr>
         <p:spPr>
           <a:xfrm rot="5400000">
-            <a:off x="8361632" y="3448804"/>
+            <a:off x="7974717" y="2570924"/>
             <a:ext cx="418704" cy="369332"/>
           </a:xfrm>
           <a:prstGeom prst="rect">
@@ -4986,7 +5190,7 @@
             <a:pPr algn="ctr"/>
             <a:r>
               <a:rPr lang="en-US" altLang="zh-TW" dirty="0"/>
-              <a:t>22</a:t>
+              <a:t>21</a:t>
             </a:r>
             <a:endParaRPr lang="zh-TW" altLang="en-US" dirty="0"/>
           </a:p>
@@ -5008,7 +5212,7 @@
         </p:nvCxnSpPr>
         <p:spPr>
           <a:xfrm>
-            <a:off x="7137192" y="2947670"/>
+            <a:off x="6750277" y="2069790"/>
             <a:ext cx="952708" cy="354329"/>
           </a:xfrm>
           <a:prstGeom prst="line">
@@ -5046,7 +5250,7 @@
         </p:nvCxnSpPr>
         <p:spPr>
           <a:xfrm flipV="1">
-            <a:off x="7137192" y="3974495"/>
+            <a:off x="6750277" y="3096615"/>
             <a:ext cx="952708" cy="354329"/>
           </a:xfrm>
           <a:prstGeom prst="line">
@@ -5082,7 +5286,7 @@
         </p:nvSpPr>
         <p:spPr>
           <a:xfrm>
-            <a:off x="9208278" y="3417470"/>
+            <a:off x="8821363" y="2539590"/>
             <a:ext cx="432000" cy="432000"/>
           </a:xfrm>
           <a:prstGeom prst="ellipse">
@@ -5136,7 +5340,7 @@
         </p:nvSpPr>
         <p:spPr>
           <a:xfrm>
-            <a:off x="8726432" y="3465830"/>
+            <a:off x="8339517" y="2587950"/>
             <a:ext cx="369332" cy="312420"/>
           </a:xfrm>
           <a:prstGeom prst="rightArrow">
@@ -5182,7 +5386,7 @@
         </p:nvSpPr>
         <p:spPr>
           <a:xfrm>
-            <a:off x="9781802" y="3465830"/>
+            <a:off x="9394887" y="2587950"/>
             <a:ext cx="369332" cy="312420"/>
           </a:xfrm>
           <a:prstGeom prst="rightArrow">
@@ -5228,7 +5432,7 @@
         </p:nvSpPr>
         <p:spPr>
           <a:xfrm>
-            <a:off x="9268873" y="3523537"/>
+            <a:off x="8881958" y="2645657"/>
             <a:ext cx="323850" cy="224911"/>
           </a:xfrm>
           <a:custGeom>
@@ -5338,7 +5542,7 @@
         </p:nvSpPr>
         <p:spPr>
           <a:xfrm>
-            <a:off x="8957643" y="3043465"/>
+            <a:off x="8570728" y="2165585"/>
             <a:ext cx="933269" cy="369332"/>
           </a:xfrm>
           <a:prstGeom prst="rect">
@@ -5355,6 +5559,673 @@
             <a:r>
               <a:rPr lang="en-US" altLang="zh-TW" dirty="0" err="1"/>
               <a:t>Sigmiod</a:t>
+            </a:r>
+            <a:endParaRPr lang="zh-TW" altLang="en-US" dirty="0"/>
+          </a:p>
+        </p:txBody>
+      </p:sp>
+      <p:sp>
+        <p:nvSpPr>
+          <p:cNvPr id="24" name="梯形 23">
+            <a:extLst>
+              <a:ext uri="{FF2B5EF4-FFF2-40B4-BE49-F238E27FC236}">
+                <a16:creationId xmlns:a16="http://schemas.microsoft.com/office/drawing/2014/main" id="{F89EDE4D-EBBF-49F4-B924-18C072231745}"/>
+              </a:ext>
+            </a:extLst>
+          </p:cNvPr>
+          <p:cNvSpPr/>
+          <p:nvPr/>
+        </p:nvSpPr>
+        <p:spPr>
+          <a:xfrm rot="5400000">
+            <a:off x="4916713" y="5057859"/>
+            <a:ext cx="1595717" cy="1331609"/>
+          </a:xfrm>
+          <a:prstGeom prst="trapezoid">
+            <a:avLst>
+              <a:gd name="adj" fmla="val 32655"/>
+            </a:avLst>
+          </a:prstGeom>
+        </p:spPr>
+        <p:style>
+          <a:lnRef idx="2">
+            <a:schemeClr val="accent3">
+              <a:shade val="50000"/>
+            </a:schemeClr>
+          </a:lnRef>
+          <a:fillRef idx="1">
+            <a:schemeClr val="accent3"/>
+          </a:fillRef>
+          <a:effectRef idx="0">
+            <a:schemeClr val="accent3"/>
+          </a:effectRef>
+          <a:fontRef idx="minor">
+            <a:schemeClr val="lt1"/>
+          </a:fontRef>
+        </p:style>
+        <p:txBody>
+          <a:bodyPr vert="vert270" rtlCol="0" anchor="ctr"/>
+          <a:lstStyle/>
+          <a:p>
+            <a:pPr algn="ctr"/>
+            <a:r>
+              <a:rPr lang="en-US" altLang="zh-TW" dirty="0"/>
+              <a:t>MobileNetV2</a:t>
+            </a:r>
+            <a:endParaRPr lang="zh-TW" altLang="en-US" dirty="0"/>
+          </a:p>
+        </p:txBody>
+      </p:sp>
+      <p:sp>
+        <p:nvSpPr>
+          <p:cNvPr id="25" name="矩形 24">
+            <a:extLst>
+              <a:ext uri="{FF2B5EF4-FFF2-40B4-BE49-F238E27FC236}">
+                <a16:creationId xmlns:a16="http://schemas.microsoft.com/office/drawing/2014/main" id="{D5BD4750-8C37-4A1F-8796-EDA668DFBC0E}"/>
+              </a:ext>
+            </a:extLst>
+          </p:cNvPr>
+          <p:cNvSpPr/>
+          <p:nvPr/>
+        </p:nvSpPr>
+        <p:spPr>
+          <a:xfrm>
+            <a:off x="7013110" y="5649885"/>
+            <a:ext cx="141178" cy="147555"/>
+          </a:xfrm>
+          <a:prstGeom prst="rect">
+            <a:avLst/>
+          </a:prstGeom>
+        </p:spPr>
+        <p:style>
+          <a:lnRef idx="2">
+            <a:schemeClr val="accent1">
+              <a:shade val="50000"/>
+            </a:schemeClr>
+          </a:lnRef>
+          <a:fillRef idx="1">
+            <a:schemeClr val="accent1"/>
+          </a:fillRef>
+          <a:effectRef idx="0">
+            <a:schemeClr val="accent1"/>
+          </a:effectRef>
+          <a:fontRef idx="minor">
+            <a:schemeClr val="lt1"/>
+          </a:fontRef>
+        </p:style>
+        <p:txBody>
+          <a:bodyPr rtlCol="0" anchor="ctr"/>
+          <a:lstStyle/>
+          <a:p>
+            <a:pPr algn="ctr"/>
+            <a:endParaRPr lang="zh-TW" altLang="en-US"/>
+          </a:p>
+        </p:txBody>
+      </p:sp>
+      <p:cxnSp>
+        <p:nvCxnSpPr>
+          <p:cNvPr id="26" name="直線接點 25">
+            <a:extLst>
+              <a:ext uri="{FF2B5EF4-FFF2-40B4-BE49-F238E27FC236}">
+                <a16:creationId xmlns:a16="http://schemas.microsoft.com/office/drawing/2014/main" id="{5EA33086-1125-4948-A4E3-CB9E21FE8B05}"/>
+              </a:ext>
+            </a:extLst>
+          </p:cNvPr>
+          <p:cNvCxnSpPr>
+            <a:cxnSpLocks/>
+          </p:cNvCxnSpPr>
+          <p:nvPr/>
+        </p:nvCxnSpPr>
+        <p:spPr>
+          <a:xfrm>
+            <a:off x="6380376" y="5364430"/>
+            <a:ext cx="629028" cy="285455"/>
+          </a:xfrm>
+          <a:prstGeom prst="line">
+            <a:avLst/>
+          </a:prstGeom>
+        </p:spPr>
+        <p:style>
+          <a:lnRef idx="1">
+            <a:schemeClr val="dk1"/>
+          </a:lnRef>
+          <a:fillRef idx="0">
+            <a:schemeClr val="dk1"/>
+          </a:fillRef>
+          <a:effectRef idx="0">
+            <a:schemeClr val="dk1"/>
+          </a:effectRef>
+          <a:fontRef idx="minor">
+            <a:schemeClr val="tx1"/>
+          </a:fontRef>
+        </p:style>
+      </p:cxnSp>
+      <p:cxnSp>
+        <p:nvCxnSpPr>
+          <p:cNvPr id="33" name="直線接點 32">
+            <a:extLst>
+              <a:ext uri="{FF2B5EF4-FFF2-40B4-BE49-F238E27FC236}">
+                <a16:creationId xmlns:a16="http://schemas.microsoft.com/office/drawing/2014/main" id="{6B4F1BCC-2490-43D0-AAB6-1BA6FE087847}"/>
+              </a:ext>
+            </a:extLst>
+          </p:cNvPr>
+          <p:cNvCxnSpPr>
+            <a:cxnSpLocks/>
+          </p:cNvCxnSpPr>
+          <p:nvPr/>
+        </p:nvCxnSpPr>
+        <p:spPr>
+          <a:xfrm flipV="1">
+            <a:off x="6380376" y="5797441"/>
+            <a:ext cx="630881" cy="285454"/>
+          </a:xfrm>
+          <a:prstGeom prst="line">
+            <a:avLst/>
+          </a:prstGeom>
+        </p:spPr>
+        <p:style>
+          <a:lnRef idx="1">
+            <a:schemeClr val="dk1"/>
+          </a:lnRef>
+          <a:fillRef idx="0">
+            <a:schemeClr val="dk1"/>
+          </a:fillRef>
+          <a:effectRef idx="0">
+            <a:schemeClr val="dk1"/>
+          </a:effectRef>
+          <a:fontRef idx="minor">
+            <a:schemeClr val="tx1"/>
+          </a:fontRef>
+        </p:style>
+      </p:cxnSp>
+      <p:sp>
+        <p:nvSpPr>
+          <p:cNvPr id="34" name="左大括弧 33">
+            <a:extLst>
+              <a:ext uri="{FF2B5EF4-FFF2-40B4-BE49-F238E27FC236}">
+                <a16:creationId xmlns:a16="http://schemas.microsoft.com/office/drawing/2014/main" id="{29E1238E-C9B9-418F-9A46-0684CE5EF0D5}"/>
+              </a:ext>
+            </a:extLst>
+          </p:cNvPr>
+          <p:cNvSpPr/>
+          <p:nvPr/>
+        </p:nvSpPr>
+        <p:spPr>
+          <a:xfrm rot="10800000">
+            <a:off x="7154288" y="5649885"/>
+            <a:ext cx="155448" cy="147555"/>
+          </a:xfrm>
+          <a:prstGeom prst="leftBrace">
+            <a:avLst/>
+          </a:prstGeom>
+          <a:ln w="19050"/>
+        </p:spPr>
+        <p:style>
+          <a:lnRef idx="1">
+            <a:schemeClr val="dk1"/>
+          </a:lnRef>
+          <a:fillRef idx="0">
+            <a:schemeClr val="dk1"/>
+          </a:fillRef>
+          <a:effectRef idx="0">
+            <a:schemeClr val="dk1"/>
+          </a:effectRef>
+          <a:fontRef idx="minor">
+            <a:schemeClr val="tx1"/>
+          </a:fontRef>
+        </p:style>
+        <p:txBody>
+          <a:bodyPr rtlCol="0" anchor="ctr"/>
+          <a:lstStyle/>
+          <a:p>
+            <a:pPr algn="ctr"/>
+            <a:endParaRPr lang="zh-TW" altLang="en-US"/>
+          </a:p>
+        </p:txBody>
+      </p:sp>
+      <p:sp>
+        <p:nvSpPr>
+          <p:cNvPr id="35" name="文字方塊 34">
+            <a:extLst>
+              <a:ext uri="{FF2B5EF4-FFF2-40B4-BE49-F238E27FC236}">
+                <a16:creationId xmlns:a16="http://schemas.microsoft.com/office/drawing/2014/main" id="{9065D50C-CAC2-4734-8B31-8FFA79287F1F}"/>
+              </a:ext>
+            </a:extLst>
+          </p:cNvPr>
+          <p:cNvSpPr txBox="1"/>
+          <p:nvPr/>
+        </p:nvSpPr>
+        <p:spPr>
+          <a:xfrm rot="5400000">
+            <a:off x="7343559" y="5538996"/>
+            <a:ext cx="301685" cy="369332"/>
+          </a:xfrm>
+          <a:prstGeom prst="rect">
+            <a:avLst/>
+          </a:prstGeom>
+          <a:noFill/>
+        </p:spPr>
+        <p:txBody>
+          <a:bodyPr wrap="none" rtlCol="0">
+            <a:spAutoFit/>
+          </a:bodyPr>
+          <a:lstStyle/>
+          <a:p>
+            <a:pPr algn="ctr"/>
+            <a:r>
+              <a:rPr lang="en-US" altLang="zh-TW" dirty="0"/>
+              <a:t>1</a:t>
+            </a:r>
+            <a:endParaRPr lang="zh-TW" altLang="en-US" dirty="0"/>
+          </a:p>
+        </p:txBody>
+      </p:sp>
+      <p:cxnSp>
+        <p:nvCxnSpPr>
+          <p:cNvPr id="23" name="接點: 弧形 22">
+            <a:extLst>
+              <a:ext uri="{FF2B5EF4-FFF2-40B4-BE49-F238E27FC236}">
+                <a16:creationId xmlns:a16="http://schemas.microsoft.com/office/drawing/2014/main" id="{C721E23C-6E6E-4DCD-9140-A7DD8D471120}"/>
+              </a:ext>
+            </a:extLst>
+          </p:cNvPr>
+          <p:cNvCxnSpPr>
+            <a:endCxn id="17" idx="2"/>
+          </p:cNvCxnSpPr>
+          <p:nvPr/>
+        </p:nvCxnSpPr>
+        <p:spPr>
+          <a:xfrm rot="5400000" flipH="1" flipV="1">
+            <a:off x="3894753" y="3001751"/>
+            <a:ext cx="1400173" cy="907855"/>
+          </a:xfrm>
+          <a:prstGeom prst="curvedConnector2">
+            <a:avLst/>
+          </a:prstGeom>
+          <a:ln w="76200">
+            <a:tailEnd type="triangle"/>
+          </a:ln>
+        </p:spPr>
+        <p:style>
+          <a:lnRef idx="1">
+            <a:schemeClr val="accent1"/>
+          </a:lnRef>
+          <a:fillRef idx="0">
+            <a:schemeClr val="accent1"/>
+          </a:fillRef>
+          <a:effectRef idx="0">
+            <a:schemeClr val="accent1"/>
+          </a:effectRef>
+          <a:fontRef idx="minor">
+            <a:schemeClr val="tx1"/>
+          </a:fontRef>
+        </p:style>
+      </p:cxnSp>
+      <p:cxnSp>
+        <p:nvCxnSpPr>
+          <p:cNvPr id="36" name="接點: 弧形 35">
+            <a:extLst>
+              <a:ext uri="{FF2B5EF4-FFF2-40B4-BE49-F238E27FC236}">
+                <a16:creationId xmlns:a16="http://schemas.microsoft.com/office/drawing/2014/main" id="{2B643A7E-92F5-438C-AB30-B80133A7736A}"/>
+              </a:ext>
+            </a:extLst>
+          </p:cNvPr>
+          <p:cNvCxnSpPr>
+            <a:cxnSpLocks/>
+            <a:endCxn id="24" idx="2"/>
+          </p:cNvCxnSpPr>
+          <p:nvPr/>
+        </p:nvCxnSpPr>
+        <p:spPr>
+          <a:xfrm rot="16200000" flipH="1">
+            <a:off x="3805029" y="4479926"/>
+            <a:ext cx="1567898" cy="919578"/>
+          </a:xfrm>
+          <a:prstGeom prst="curvedConnector2">
+            <a:avLst/>
+          </a:prstGeom>
+          <a:ln w="76200">
+            <a:tailEnd type="triangle"/>
+          </a:ln>
+        </p:spPr>
+        <p:style>
+          <a:lnRef idx="1">
+            <a:schemeClr val="accent1"/>
+          </a:lnRef>
+          <a:fillRef idx="0">
+            <a:schemeClr val="accent1"/>
+          </a:fillRef>
+          <a:effectRef idx="0">
+            <a:schemeClr val="accent1"/>
+          </a:effectRef>
+          <a:fontRef idx="minor">
+            <a:schemeClr val="tx1"/>
+          </a:fontRef>
+        </p:style>
+      </p:cxnSp>
+      <p:sp>
+        <p:nvSpPr>
+          <p:cNvPr id="43" name="橢圓 42">
+            <a:extLst>
+              <a:ext uri="{FF2B5EF4-FFF2-40B4-BE49-F238E27FC236}">
+                <a16:creationId xmlns:a16="http://schemas.microsoft.com/office/drawing/2014/main" id="{DC7C2343-9653-4E3E-B17D-01AB12B3ADCE}"/>
+              </a:ext>
+            </a:extLst>
+          </p:cNvPr>
+          <p:cNvSpPr/>
+          <p:nvPr/>
+        </p:nvSpPr>
+        <p:spPr>
+          <a:xfrm>
+            <a:off x="8123984" y="5513725"/>
+            <a:ext cx="432000" cy="432000"/>
+          </a:xfrm>
+          <a:prstGeom prst="ellipse">
+            <a:avLst/>
+          </a:prstGeom>
+          <a:solidFill>
+            <a:schemeClr val="bg1"/>
+          </a:solidFill>
+          <a:ln>
+            <a:solidFill>
+              <a:schemeClr val="tx1"/>
+            </a:solidFill>
+          </a:ln>
+        </p:spPr>
+        <p:style>
+          <a:lnRef idx="2">
+            <a:schemeClr val="accent1">
+              <a:shade val="50000"/>
+            </a:schemeClr>
+          </a:lnRef>
+          <a:fillRef idx="1">
+            <a:schemeClr val="accent1"/>
+          </a:fillRef>
+          <a:effectRef idx="0">
+            <a:schemeClr val="accent1"/>
+          </a:effectRef>
+          <a:fontRef idx="minor">
+            <a:schemeClr val="lt1"/>
+          </a:fontRef>
+        </p:style>
+        <p:txBody>
+          <a:bodyPr rtlCol="0" anchor="ctr"/>
+          <a:lstStyle/>
+          <a:p>
+            <a:pPr algn="ctr"/>
+            <a:endParaRPr lang="zh-TW" altLang="en-US"/>
+          </a:p>
+        </p:txBody>
+      </p:sp>
+      <p:sp>
+        <p:nvSpPr>
+          <p:cNvPr id="44" name="箭號: 向右 43">
+            <a:extLst>
+              <a:ext uri="{FF2B5EF4-FFF2-40B4-BE49-F238E27FC236}">
+                <a16:creationId xmlns:a16="http://schemas.microsoft.com/office/drawing/2014/main" id="{3AACEC8F-19FF-4089-9739-C314D08FF80B}"/>
+              </a:ext>
+            </a:extLst>
+          </p:cNvPr>
+          <p:cNvSpPr/>
+          <p:nvPr/>
+        </p:nvSpPr>
+        <p:spPr>
+          <a:xfrm>
+            <a:off x="7642138" y="5562085"/>
+            <a:ext cx="369332" cy="312420"/>
+          </a:xfrm>
+          <a:prstGeom prst="rightArrow">
+            <a:avLst/>
+          </a:prstGeom>
+        </p:spPr>
+        <p:style>
+          <a:lnRef idx="2">
+            <a:schemeClr val="accent6">
+              <a:shade val="50000"/>
+            </a:schemeClr>
+          </a:lnRef>
+          <a:fillRef idx="1">
+            <a:schemeClr val="accent6"/>
+          </a:fillRef>
+          <a:effectRef idx="0">
+            <a:schemeClr val="accent6"/>
+          </a:effectRef>
+          <a:fontRef idx="minor">
+            <a:schemeClr val="lt1"/>
+          </a:fontRef>
+        </p:style>
+        <p:txBody>
+          <a:bodyPr rtlCol="0" anchor="ctr"/>
+          <a:lstStyle/>
+          <a:p>
+            <a:pPr algn="ctr"/>
+            <a:endParaRPr lang="zh-TW" altLang="en-US"/>
+          </a:p>
+        </p:txBody>
+      </p:sp>
+      <p:sp>
+        <p:nvSpPr>
+          <p:cNvPr id="45" name="箭號: 向右 44">
+            <a:extLst>
+              <a:ext uri="{FF2B5EF4-FFF2-40B4-BE49-F238E27FC236}">
+                <a16:creationId xmlns:a16="http://schemas.microsoft.com/office/drawing/2014/main" id="{E27FDDA8-AD2A-4849-92E4-E6904A8DF1B3}"/>
+              </a:ext>
+            </a:extLst>
+          </p:cNvPr>
+          <p:cNvSpPr/>
+          <p:nvPr/>
+        </p:nvSpPr>
+        <p:spPr>
+          <a:xfrm>
+            <a:off x="8697508" y="5562085"/>
+            <a:ext cx="369332" cy="312420"/>
+          </a:xfrm>
+          <a:prstGeom prst="rightArrow">
+            <a:avLst/>
+          </a:prstGeom>
+        </p:spPr>
+        <p:style>
+          <a:lnRef idx="2">
+            <a:schemeClr val="accent6">
+              <a:shade val="50000"/>
+            </a:schemeClr>
+          </a:lnRef>
+          <a:fillRef idx="1">
+            <a:schemeClr val="accent6"/>
+          </a:fillRef>
+          <a:effectRef idx="0">
+            <a:schemeClr val="accent6"/>
+          </a:effectRef>
+          <a:fontRef idx="minor">
+            <a:schemeClr val="lt1"/>
+          </a:fontRef>
+        </p:style>
+        <p:txBody>
+          <a:bodyPr rtlCol="0" anchor="ctr"/>
+          <a:lstStyle/>
+          <a:p>
+            <a:pPr algn="ctr"/>
+            <a:endParaRPr lang="zh-TW" altLang="en-US"/>
+          </a:p>
+        </p:txBody>
+      </p:sp>
+      <p:sp>
+        <p:nvSpPr>
+          <p:cNvPr id="46" name="手繪多邊形: 圖案 45">
+            <a:extLst>
+              <a:ext uri="{FF2B5EF4-FFF2-40B4-BE49-F238E27FC236}">
+                <a16:creationId xmlns:a16="http://schemas.microsoft.com/office/drawing/2014/main" id="{879E8831-12DB-4AA0-B165-248868E737B1}"/>
+              </a:ext>
+            </a:extLst>
+          </p:cNvPr>
+          <p:cNvSpPr/>
+          <p:nvPr/>
+        </p:nvSpPr>
+        <p:spPr>
+          <a:xfrm>
+            <a:off x="8184579" y="5619792"/>
+            <a:ext cx="323850" cy="224911"/>
+          </a:xfrm>
+          <a:custGeom>
+            <a:avLst/>
+            <a:gdLst>
+              <a:gd name="connsiteX0" fmla="*/ 0 w 323850"/>
+              <a:gd name="connsiteY0" fmla="*/ 224790 h 224790"/>
+              <a:gd name="connsiteX1" fmla="*/ 163830 w 323850"/>
+              <a:gd name="connsiteY1" fmla="*/ 110490 h 224790"/>
+              <a:gd name="connsiteX2" fmla="*/ 323850 w 323850"/>
+              <a:gd name="connsiteY2" fmla="*/ 0 h 224790"/>
+              <a:gd name="connsiteX0" fmla="*/ 0 w 323850"/>
+              <a:gd name="connsiteY0" fmla="*/ 224790 h 224790"/>
+              <a:gd name="connsiteX1" fmla="*/ 163830 w 323850"/>
+              <a:gd name="connsiteY1" fmla="*/ 110490 h 224790"/>
+              <a:gd name="connsiteX2" fmla="*/ 323850 w 323850"/>
+              <a:gd name="connsiteY2" fmla="*/ 0 h 224790"/>
+              <a:gd name="connsiteX0" fmla="*/ 0 w 323850"/>
+              <a:gd name="connsiteY0" fmla="*/ 224885 h 224885"/>
+              <a:gd name="connsiteX1" fmla="*/ 163830 w 323850"/>
+              <a:gd name="connsiteY1" fmla="*/ 110585 h 224885"/>
+              <a:gd name="connsiteX2" fmla="*/ 323850 w 323850"/>
+              <a:gd name="connsiteY2" fmla="*/ 95 h 224885"/>
+              <a:gd name="connsiteX0" fmla="*/ 0 w 323850"/>
+              <a:gd name="connsiteY0" fmla="*/ 224911 h 224911"/>
+              <a:gd name="connsiteX1" fmla="*/ 163830 w 323850"/>
+              <a:gd name="connsiteY1" fmla="*/ 110611 h 224911"/>
+              <a:gd name="connsiteX2" fmla="*/ 323850 w 323850"/>
+              <a:gd name="connsiteY2" fmla="*/ 121 h 224911"/>
+              <a:gd name="connsiteX0" fmla="*/ 0 w 323850"/>
+              <a:gd name="connsiteY0" fmla="*/ 224911 h 224911"/>
+              <a:gd name="connsiteX1" fmla="*/ 163830 w 323850"/>
+              <a:gd name="connsiteY1" fmla="*/ 110611 h 224911"/>
+              <a:gd name="connsiteX2" fmla="*/ 323850 w 323850"/>
+              <a:gd name="connsiteY2" fmla="*/ 121 h 224911"/>
+            </a:gdLst>
+            <a:ahLst/>
+            <a:cxnLst>
+              <a:cxn ang="0">
+                <a:pos x="connsiteX0" y="connsiteY0"/>
+              </a:cxn>
+              <a:cxn ang="0">
+                <a:pos x="connsiteX1" y="connsiteY1"/>
+              </a:cxn>
+              <a:cxn ang="0">
+                <a:pos x="connsiteX2" y="connsiteY2"/>
+              </a:cxn>
+            </a:cxnLst>
+            <a:rect l="l" t="t" r="r" b="b"/>
+            <a:pathLst>
+              <a:path w="323850" h="224911">
+                <a:moveTo>
+                  <a:pt x="0" y="224911"/>
+                </a:moveTo>
+                <a:cubicBezTo>
+                  <a:pt x="115570" y="221101"/>
+                  <a:pt x="145415" y="173476"/>
+                  <a:pt x="163830" y="110611"/>
+                </a:cubicBezTo>
+                <a:cubicBezTo>
+                  <a:pt x="179070" y="56636"/>
+                  <a:pt x="222885" y="-3054"/>
+                  <a:pt x="323850" y="121"/>
+                </a:cubicBezTo>
+              </a:path>
+            </a:pathLst>
+          </a:custGeom>
+          <a:noFill/>
+          <a:ln w="38100"/>
+        </p:spPr>
+        <p:style>
+          <a:lnRef idx="2">
+            <a:schemeClr val="accent1">
+              <a:shade val="50000"/>
+            </a:schemeClr>
+          </a:lnRef>
+          <a:fillRef idx="1">
+            <a:schemeClr val="accent1"/>
+          </a:fillRef>
+          <a:effectRef idx="0">
+            <a:schemeClr val="accent1"/>
+          </a:effectRef>
+          <a:fontRef idx="minor">
+            <a:schemeClr val="lt1"/>
+          </a:fontRef>
+        </p:style>
+        <p:txBody>
+          <a:bodyPr rtlCol="0" anchor="ctr"/>
+          <a:lstStyle/>
+          <a:p>
+            <a:pPr algn="ctr"/>
+            <a:endParaRPr lang="zh-TW" altLang="en-US"/>
+          </a:p>
+        </p:txBody>
+      </p:sp>
+      <p:sp>
+        <p:nvSpPr>
+          <p:cNvPr id="47" name="文字方塊 46">
+            <a:extLst>
+              <a:ext uri="{FF2B5EF4-FFF2-40B4-BE49-F238E27FC236}">
+                <a16:creationId xmlns:a16="http://schemas.microsoft.com/office/drawing/2014/main" id="{313A798A-20CC-4FCB-B9E3-520676775B88}"/>
+              </a:ext>
+            </a:extLst>
+          </p:cNvPr>
+          <p:cNvSpPr txBox="1"/>
+          <p:nvPr/>
+        </p:nvSpPr>
+        <p:spPr>
+          <a:xfrm>
+            <a:off x="7873349" y="5139720"/>
+            <a:ext cx="933269" cy="369332"/>
+          </a:xfrm>
+          <a:prstGeom prst="rect">
+            <a:avLst/>
+          </a:prstGeom>
+          <a:noFill/>
+        </p:spPr>
+        <p:txBody>
+          <a:bodyPr wrap="none" rtlCol="0">
+            <a:spAutoFit/>
+          </a:bodyPr>
+          <a:lstStyle/>
+          <a:p>
+            <a:r>
+              <a:rPr lang="en-US" altLang="zh-TW" dirty="0" err="1"/>
+              <a:t>Sigmiod</a:t>
+            </a:r>
+            <a:endParaRPr lang="zh-TW" altLang="en-US" dirty="0"/>
+          </a:p>
+        </p:txBody>
+      </p:sp>
+      <p:sp>
+        <p:nvSpPr>
+          <p:cNvPr id="49" name="文字方塊 48">
+            <a:extLst>
+              <a:ext uri="{FF2B5EF4-FFF2-40B4-BE49-F238E27FC236}">
+                <a16:creationId xmlns:a16="http://schemas.microsoft.com/office/drawing/2014/main" id="{0642CA9A-0DDB-4951-AB70-4F895C33D3A9}"/>
+              </a:ext>
+            </a:extLst>
+          </p:cNvPr>
+          <p:cNvSpPr txBox="1"/>
+          <p:nvPr/>
+        </p:nvSpPr>
+        <p:spPr>
+          <a:xfrm>
+            <a:off x="9179072" y="5572819"/>
+            <a:ext cx="1337867" cy="369332"/>
+          </a:xfrm>
+          <a:prstGeom prst="rect">
+            <a:avLst/>
+          </a:prstGeom>
+          <a:noFill/>
+        </p:spPr>
+        <p:txBody>
+          <a:bodyPr wrap="none" rtlCol="0">
+            <a:spAutoFit/>
+          </a:bodyPr>
+          <a:lstStyle/>
+          <a:p>
+            <a:r>
+              <a:rPr lang="en-US" altLang="zh-TW" dirty="0"/>
+              <a:t>Chest or not</a:t>
             </a:r>
             <a:endParaRPr lang="zh-TW" altLang="en-US" dirty="0"/>
           </a:p>
